--- a/assets/wireframes.pptx
+++ b/assets/wireframes.pptx
@@ -5,10 +5,12 @@
     <p:sldMasterId id="2147483648" r:id="rId1"/>
   </p:sldMasterIdLst>
   <p:notesMasterIdLst>
-    <p:notesMasterId r:id="rId3"/>
+    <p:notesMasterId r:id="rId5"/>
   </p:notesMasterIdLst>
   <p:sldIdLst>
     <p:sldId id="256" r:id="rId2"/>
+    <p:sldId id="257" r:id="rId3"/>
+    <p:sldId id="258" r:id="rId4"/>
   </p:sldIdLst>
   <p:sldSz cx="12192000" cy="6858000"/>
   <p:notesSz cx="6858000" cy="9144000"/>
@@ -107,6 +109,11 @@
       </a:defRPr>
     </a:lvl9pPr>
   </p:defaultTextStyle>
+  <p:extLst>
+    <p:ext uri="{EFAFB233-063F-42B5-8137-9DF3F51BA10A}">
+      <p15:sldGuideLst xmlns:p15="http://schemas.microsoft.com/office/powerpoint/2012/main"/>
+    </p:ext>
+  </p:extLst>
 </p:presentation>
 </file>
 
@@ -114,6 +121,7 @@
 <p1510:revInfo xmlns:a="http://schemas.openxmlformats.org/drawingml/2006/main" xmlns:r="http://schemas.openxmlformats.org/officeDocument/2006/relationships" xmlns:p1510="http://schemas.microsoft.com/office/powerpoint/2015/10/main">
   <p1510:revLst>
     <p1510:client id="{023B181C-A299-4681-930C-1A961CEFCE6D}" v="3" dt="2021-02-28T15:48:11.849"/>
+    <p1510:client id="{B8C74221-17CD-4BD8-ABB9-BED91E9DE5EA}" v="2" dt="2021-02-28T17:57:00.536"/>
   </p1510:revLst>
 </p1510:revInfo>
 </file>
@@ -276,6 +284,93 @@
           <pc:docMk/>
           <pc:sldMk cId="2129144071" sldId="257"/>
         </pc:sldMkLst>
+      </pc:sldChg>
+    </pc:docChg>
+  </pc:docChgLst>
+  <pc:docChgLst>
+    <pc:chgData name="Alec J Atlas" userId="2adec169-dbbf-4030-af27-602dd086b865" providerId="ADAL" clId="{B8C74221-17CD-4BD8-ABB9-BED91E9DE5EA}"/>
+    <pc:docChg chg="custSel addSld modSld">
+      <pc:chgData name="Alec J Atlas" userId="2adec169-dbbf-4030-af27-602dd086b865" providerId="ADAL" clId="{B8C74221-17CD-4BD8-ABB9-BED91E9DE5EA}" dt="2021-02-28T17:57:07.711" v="42" actId="20577"/>
+      <pc:docMkLst>
+        <pc:docMk/>
+      </pc:docMkLst>
+      <pc:sldChg chg="addSp delSp modSp new mod">
+        <pc:chgData name="Alec J Atlas" userId="2adec169-dbbf-4030-af27-602dd086b865" providerId="ADAL" clId="{B8C74221-17CD-4BD8-ABB9-BED91E9DE5EA}" dt="2021-02-28T17:55:31.717" v="16" actId="20577"/>
+        <pc:sldMkLst>
+          <pc:docMk/>
+          <pc:sldMk cId="339192046" sldId="257"/>
+        </pc:sldMkLst>
+        <pc:spChg chg="del">
+          <ac:chgData name="Alec J Atlas" userId="2adec169-dbbf-4030-af27-602dd086b865" providerId="ADAL" clId="{B8C74221-17CD-4BD8-ABB9-BED91E9DE5EA}" dt="2021-02-28T17:55:09.411" v="1" actId="478"/>
+          <ac:spMkLst>
+            <pc:docMk/>
+            <pc:sldMk cId="339192046" sldId="257"/>
+            <ac:spMk id="2" creationId="{A7D1389C-D912-402A-9E7C-82C0C1ECAB21}"/>
+          </ac:spMkLst>
+        </pc:spChg>
+        <pc:spChg chg="del">
+          <ac:chgData name="Alec J Atlas" userId="2adec169-dbbf-4030-af27-602dd086b865" providerId="ADAL" clId="{B8C74221-17CD-4BD8-ABB9-BED91E9DE5EA}" dt="2021-02-28T17:55:10.361" v="2" actId="478"/>
+          <ac:spMkLst>
+            <pc:docMk/>
+            <pc:sldMk cId="339192046" sldId="257"/>
+            <ac:spMk id="3" creationId="{52535422-4B0A-4C43-A9F8-29D5E6D9FCB3}"/>
+          </ac:spMkLst>
+        </pc:spChg>
+        <pc:spChg chg="add mod">
+          <ac:chgData name="Alec J Atlas" userId="2adec169-dbbf-4030-af27-602dd086b865" providerId="ADAL" clId="{B8C74221-17CD-4BD8-ABB9-BED91E9DE5EA}" dt="2021-02-28T17:55:31.717" v="16" actId="20577"/>
+          <ac:spMkLst>
+            <pc:docMk/>
+            <pc:sldMk cId="339192046" sldId="257"/>
+            <ac:spMk id="6" creationId="{BBDD64E1-DAED-4A94-AAE5-451742B96793}"/>
+          </ac:spMkLst>
+        </pc:spChg>
+        <pc:picChg chg="add mod">
+          <ac:chgData name="Alec J Atlas" userId="2adec169-dbbf-4030-af27-602dd086b865" providerId="ADAL" clId="{B8C74221-17CD-4BD8-ABB9-BED91E9DE5EA}" dt="2021-02-28T17:55:23.424" v="4" actId="1076"/>
+          <ac:picMkLst>
+            <pc:docMk/>
+            <pc:sldMk cId="339192046" sldId="257"/>
+            <ac:picMk id="5" creationId="{03873FD3-791C-4F73-87FA-32B67BE88ED7}"/>
+          </ac:picMkLst>
+        </pc:picChg>
+      </pc:sldChg>
+      <pc:sldChg chg="addSp delSp modSp new mod">
+        <pc:chgData name="Alec J Atlas" userId="2adec169-dbbf-4030-af27-602dd086b865" providerId="ADAL" clId="{B8C74221-17CD-4BD8-ABB9-BED91E9DE5EA}" dt="2021-02-28T17:57:07.711" v="42" actId="20577"/>
+        <pc:sldMkLst>
+          <pc:docMk/>
+          <pc:sldMk cId="1666960170" sldId="258"/>
+        </pc:sldMkLst>
+        <pc:spChg chg="del">
+          <ac:chgData name="Alec J Atlas" userId="2adec169-dbbf-4030-af27-602dd086b865" providerId="ADAL" clId="{B8C74221-17CD-4BD8-ABB9-BED91E9DE5EA}" dt="2021-02-28T17:56:27.121" v="18" actId="478"/>
+          <ac:spMkLst>
+            <pc:docMk/>
+            <pc:sldMk cId="1666960170" sldId="258"/>
+            <ac:spMk id="2" creationId="{A73EC3F0-E4F9-4D02-A949-0B611B1397B6}"/>
+          </ac:spMkLst>
+        </pc:spChg>
+        <pc:spChg chg="del">
+          <ac:chgData name="Alec J Atlas" userId="2adec169-dbbf-4030-af27-602dd086b865" providerId="ADAL" clId="{B8C74221-17CD-4BD8-ABB9-BED91E9DE5EA}" dt="2021-02-28T17:56:28.212" v="19" actId="478"/>
+          <ac:spMkLst>
+            <pc:docMk/>
+            <pc:sldMk cId="1666960170" sldId="258"/>
+            <ac:spMk id="3" creationId="{F3C16FDA-7C08-43BD-8EF6-F238DCBBF4F7}"/>
+          </ac:spMkLst>
+        </pc:spChg>
+        <pc:spChg chg="add mod">
+          <ac:chgData name="Alec J Atlas" userId="2adec169-dbbf-4030-af27-602dd086b865" providerId="ADAL" clId="{B8C74221-17CD-4BD8-ABB9-BED91E9DE5EA}" dt="2021-02-28T17:57:07.711" v="42" actId="20577"/>
+          <ac:spMkLst>
+            <pc:docMk/>
+            <pc:sldMk cId="1666960170" sldId="258"/>
+            <ac:spMk id="6" creationId="{5DEAD85D-35DC-4C8D-8542-F760E4CCDDDF}"/>
+          </ac:spMkLst>
+        </pc:spChg>
+        <pc:picChg chg="add mod">
+          <ac:chgData name="Alec J Atlas" userId="2adec169-dbbf-4030-af27-602dd086b865" providerId="ADAL" clId="{B8C74221-17CD-4BD8-ABB9-BED91E9DE5EA}" dt="2021-02-28T17:56:56.171" v="22" actId="1076"/>
+          <ac:picMkLst>
+            <pc:docMk/>
+            <pc:sldMk cId="1666960170" sldId="258"/>
+            <ac:picMk id="5" creationId="{2CA1458D-BECE-4524-AADA-401797322776}"/>
+          </ac:picMkLst>
+        </pc:picChg>
       </pc:sldChg>
     </pc:docChg>
   </pc:docChgLst>
@@ -4489,6 +4584,208 @@
     <p:extLst>
       <p:ext uri="{BB962C8B-B14F-4D97-AF65-F5344CB8AC3E}">
         <p14:creationId xmlns:p14="http://schemas.microsoft.com/office/powerpoint/2010/main" val="261706219"/>
+      </p:ext>
+    </p:extLst>
+  </p:cSld>
+  <p:clrMapOvr>
+    <a:masterClrMapping/>
+  </p:clrMapOvr>
+</p:sld>
+</file>
+
+<file path=ppt/slides/slide2.xml><?xml version="1.0" encoding="utf-8"?>
+<p:sld xmlns:a="http://schemas.openxmlformats.org/drawingml/2006/main" xmlns:r="http://schemas.openxmlformats.org/officeDocument/2006/relationships" xmlns:p="http://schemas.openxmlformats.org/presentationml/2006/main">
+  <p:cSld>
+    <p:spTree>
+      <p:nvGrpSpPr>
+        <p:cNvPr id="1" name=""/>
+        <p:cNvGrpSpPr/>
+        <p:nvPr/>
+      </p:nvGrpSpPr>
+      <p:grpSpPr>
+        <a:xfrm>
+          <a:off x="0" y="0"/>
+          <a:ext cx="0" cy="0"/>
+          <a:chOff x="0" y="0"/>
+          <a:chExt cx="0" cy="0"/>
+        </a:xfrm>
+      </p:grpSpPr>
+      <p:pic>
+        <p:nvPicPr>
+          <p:cNvPr id="5" name="Picture 4">
+            <a:extLst>
+              <a:ext uri="{FF2B5EF4-FFF2-40B4-BE49-F238E27FC236}">
+                <a16:creationId xmlns:a16="http://schemas.microsoft.com/office/drawing/2014/main" id="{03873FD3-791C-4F73-87FA-32B67BE88ED7}"/>
+              </a:ext>
+            </a:extLst>
+          </p:cNvPr>
+          <p:cNvPicPr>
+            <a:picLocks noChangeAspect="1"/>
+          </p:cNvPicPr>
+          <p:nvPr/>
+        </p:nvPicPr>
+        <p:blipFill>
+          <a:blip r:embed="rId2"/>
+          <a:stretch>
+            <a:fillRect/>
+          </a:stretch>
+        </p:blipFill>
+        <p:spPr>
+          <a:xfrm>
+            <a:off x="0" y="872682"/>
+            <a:ext cx="12192000" cy="5910303"/>
+          </a:xfrm>
+          <a:prstGeom prst="rect">
+            <a:avLst/>
+          </a:prstGeom>
+        </p:spPr>
+      </p:pic>
+      <p:sp>
+        <p:nvSpPr>
+          <p:cNvPr id="6" name="TextBox 5">
+            <a:extLst>
+              <a:ext uri="{FF2B5EF4-FFF2-40B4-BE49-F238E27FC236}">
+                <a16:creationId xmlns:a16="http://schemas.microsoft.com/office/drawing/2014/main" id="{BBDD64E1-DAED-4A94-AAE5-451742B96793}"/>
+              </a:ext>
+            </a:extLst>
+          </p:cNvPr>
+          <p:cNvSpPr txBox="1"/>
+          <p:nvPr/>
+        </p:nvSpPr>
+        <p:spPr>
+          <a:xfrm>
+            <a:off x="209726" y="92279"/>
+            <a:ext cx="1409350" cy="369332"/>
+          </a:xfrm>
+          <a:prstGeom prst="rect">
+            <a:avLst/>
+          </a:prstGeom>
+          <a:noFill/>
+          <a:ln>
+            <a:solidFill>
+              <a:schemeClr val="tx1"/>
+            </a:solidFill>
+          </a:ln>
+        </p:spPr>
+        <p:txBody>
+          <a:bodyPr wrap="square" rtlCol="0">
+            <a:spAutoFit/>
+          </a:bodyPr>
+          <a:lstStyle/>
+          <a:p>
+            <a:pPr algn="ctr"/>
+            <a:r>
+              <a:rPr lang="en-US" b="1" dirty="0"/>
+              <a:t>Log-in page</a:t>
+            </a:r>
+          </a:p>
+        </p:txBody>
+      </p:sp>
+    </p:spTree>
+    <p:extLst>
+      <p:ext uri="{BB962C8B-B14F-4D97-AF65-F5344CB8AC3E}">
+        <p14:creationId xmlns:p14="http://schemas.microsoft.com/office/powerpoint/2010/main" val="339192046"/>
+      </p:ext>
+    </p:extLst>
+  </p:cSld>
+  <p:clrMapOvr>
+    <a:masterClrMapping/>
+  </p:clrMapOvr>
+</p:sld>
+</file>
+
+<file path=ppt/slides/slide3.xml><?xml version="1.0" encoding="utf-8"?>
+<p:sld xmlns:a="http://schemas.openxmlformats.org/drawingml/2006/main" xmlns:r="http://schemas.openxmlformats.org/officeDocument/2006/relationships" xmlns:p="http://schemas.openxmlformats.org/presentationml/2006/main">
+  <p:cSld>
+    <p:spTree>
+      <p:nvGrpSpPr>
+        <p:cNvPr id="1" name=""/>
+        <p:cNvGrpSpPr/>
+        <p:nvPr/>
+      </p:nvGrpSpPr>
+      <p:grpSpPr>
+        <a:xfrm>
+          <a:off x="0" y="0"/>
+          <a:ext cx="0" cy="0"/>
+          <a:chOff x="0" y="0"/>
+          <a:chExt cx="0" cy="0"/>
+        </a:xfrm>
+      </p:grpSpPr>
+      <p:pic>
+        <p:nvPicPr>
+          <p:cNvPr id="5" name="Picture 4">
+            <a:extLst>
+              <a:ext uri="{FF2B5EF4-FFF2-40B4-BE49-F238E27FC236}">
+                <a16:creationId xmlns:a16="http://schemas.microsoft.com/office/drawing/2014/main" id="{2CA1458D-BECE-4524-AADA-401797322776}"/>
+              </a:ext>
+            </a:extLst>
+          </p:cNvPr>
+          <p:cNvPicPr>
+            <a:picLocks noChangeAspect="1"/>
+          </p:cNvPicPr>
+          <p:nvPr/>
+        </p:nvPicPr>
+        <p:blipFill>
+          <a:blip r:embed="rId2"/>
+          <a:stretch>
+            <a:fillRect/>
+          </a:stretch>
+        </p:blipFill>
+        <p:spPr>
+          <a:xfrm>
+            <a:off x="0" y="829985"/>
+            <a:ext cx="12192000" cy="6028015"/>
+          </a:xfrm>
+          <a:prstGeom prst="rect">
+            <a:avLst/>
+          </a:prstGeom>
+        </p:spPr>
+      </p:pic>
+      <p:sp>
+        <p:nvSpPr>
+          <p:cNvPr id="6" name="TextBox 5">
+            <a:extLst>
+              <a:ext uri="{FF2B5EF4-FFF2-40B4-BE49-F238E27FC236}">
+                <a16:creationId xmlns:a16="http://schemas.microsoft.com/office/drawing/2014/main" id="{5DEAD85D-35DC-4C8D-8542-F760E4CCDDDF}"/>
+              </a:ext>
+            </a:extLst>
+          </p:cNvPr>
+          <p:cNvSpPr txBox="1"/>
+          <p:nvPr/>
+        </p:nvSpPr>
+        <p:spPr>
+          <a:xfrm>
+            <a:off x="209726" y="92279"/>
+            <a:ext cx="1409350" cy="646331"/>
+          </a:xfrm>
+          <a:prstGeom prst="rect">
+            <a:avLst/>
+          </a:prstGeom>
+          <a:noFill/>
+          <a:ln>
+            <a:solidFill>
+              <a:schemeClr val="tx1"/>
+            </a:solidFill>
+          </a:ln>
+        </p:spPr>
+        <p:txBody>
+          <a:bodyPr wrap="square" rtlCol="0">
+            <a:spAutoFit/>
+          </a:bodyPr>
+          <a:lstStyle/>
+          <a:p>
+            <a:pPr algn="ctr"/>
+            <a:r>
+              <a:rPr lang="en-US" b="1" dirty="0"/>
+              <a:t>Driver registration</a:t>
+            </a:r>
+          </a:p>
+        </p:txBody>
+      </p:sp>
+    </p:spTree>
+    <p:extLst>
+      <p:ext uri="{BB962C8B-B14F-4D97-AF65-F5344CB8AC3E}">
+        <p14:creationId xmlns:p14="http://schemas.microsoft.com/office/powerpoint/2010/main" val="1666960170"/>
       </p:ext>
     </p:extLst>
   </p:cSld>
